--- a/IBM CALL FOR CODE.pptx
+++ b/IBM CALL FOR CODE.pptx
@@ -6255,8 +6255,8 @@
         </p:nvSpPr>
         <p:spPr>
           <a:xfrm>
-            <a:off x="4843498" y="1893950"/>
-            <a:ext cx="6541826" cy="3424107"/>
+            <a:off x="4408492" y="1146640"/>
+            <a:ext cx="6182568" cy="1768214"/>
           </a:xfrm>
         </p:spPr>
         <p:txBody>
@@ -6269,32 +6269,32 @@
               <a:buNone/>
             </a:pPr>
             <a:r>
-              <a:rPr lang="en-IN" sz="4000" dirty="0" err="1"/>
+              <a:rPr lang="en-IN" sz="3600" dirty="0" err="1"/>
               <a:t>Kanikaram</a:t>
             </a:r>
             <a:r>
-              <a:rPr lang="en-IN" sz="4000" dirty="0"/>
+              <a:rPr lang="en-IN" sz="3600" dirty="0"/>
               <a:t> </a:t>
             </a:r>
             <a:r>
-              <a:rPr lang="en-IN" sz="4000" dirty="0" err="1"/>
+              <a:rPr lang="en-IN" sz="3600" dirty="0" err="1"/>
               <a:t>varunteja</a:t>
             </a:r>
-            <a:endParaRPr lang="en-IN" sz="4000" dirty="0"/>
+            <a:endParaRPr lang="en-IN" sz="3600" dirty="0"/>
           </a:p>
           <a:p>
             <a:pPr marL="0" indent="0">
               <a:buNone/>
             </a:pPr>
             <a:r>
-              <a:rPr lang="en-IN" sz="4000" dirty="0"/>
+              <a:rPr lang="en-IN" sz="3600" dirty="0"/>
               <a:t>Praveen </a:t>
             </a:r>
             <a:r>
-              <a:rPr lang="en-IN" sz="4000" dirty="0" err="1"/>
+              <a:rPr lang="en-IN" sz="3600" dirty="0" err="1"/>
               <a:t>kumar</a:t>
             </a:r>
-            <a:endParaRPr lang="en-IN" sz="4000" dirty="0"/>
+            <a:endParaRPr lang="en-IN" sz="3600" dirty="0"/>
           </a:p>
         </p:txBody>
       </p:sp>
@@ -6312,8 +6312,8 @@
         </p:nvSpPr>
         <p:spPr>
           <a:xfrm>
-            <a:off x="1419366" y="1119114"/>
-            <a:ext cx="5554640" cy="830997"/>
+            <a:off x="1028748" y="708946"/>
+            <a:ext cx="5554640" cy="707886"/>
           </a:xfrm>
           <a:prstGeom prst="rect">
             <a:avLst/>
@@ -6327,7 +6327,7 @@
           <a:lstStyle/>
           <a:p>
             <a:r>
-              <a:rPr lang="en-IN" sz="4800" dirty="0"/>
+              <a:rPr lang="en-IN" sz="4000" dirty="0"/>
               <a:t>DATA PIRATES TEAM</a:t>
             </a:r>
           </a:p>
@@ -6347,8 +6347,8 @@
         </p:nvSpPr>
         <p:spPr>
           <a:xfrm>
-            <a:off x="1091822" y="3662164"/>
-            <a:ext cx="5117911" cy="830997"/>
+            <a:off x="834370" y="2487949"/>
+            <a:ext cx="5117911" cy="707886"/>
           </a:xfrm>
           <a:prstGeom prst="rect">
             <a:avLst/>
@@ -6362,7 +6362,7 @@
           <a:lstStyle/>
           <a:p>
             <a:r>
-              <a:rPr lang="en-IN" sz="4800" dirty="0"/>
+              <a:rPr lang="en-IN" sz="4000" dirty="0"/>
               <a:t>PROJECT NAME</a:t>
             </a:r>
           </a:p>
@@ -6382,8 +6382,8 @@
         </p:nvSpPr>
         <p:spPr>
           <a:xfrm>
-            <a:off x="3578086" y="4651513"/>
-            <a:ext cx="7554511" cy="1323439"/>
+            <a:off x="3070011" y="3000446"/>
+            <a:ext cx="7403592" cy="1323439"/>
           </a:xfrm>
           <a:prstGeom prst="rect">
             <a:avLst/>
@@ -6432,6 +6432,112 @@
               </a:rPr>
               <a:t>ASSITANCE</a:t>
             </a:r>
+          </a:p>
+        </p:txBody>
+      </p:sp>
+      <p:sp>
+        <p:nvSpPr>
+          <p:cNvPr id="5" name="TextBox 4">
+            <a:extLst>
+              <a:ext uri="{FF2B5EF4-FFF2-40B4-BE49-F238E27FC236}">
+                <a16:creationId xmlns:a16="http://schemas.microsoft.com/office/drawing/2014/main" id="{400886DF-CACF-45D9-9624-03D883BCF975}"/>
+              </a:ext>
+            </a:extLst>
+          </p:cNvPr>
+          <p:cNvSpPr txBox="1"/>
+          <p:nvPr/>
+        </p:nvSpPr>
+        <p:spPr>
+          <a:xfrm>
+            <a:off x="763480" y="4266952"/>
+            <a:ext cx="4332303" cy="707886"/>
+          </a:xfrm>
+          <a:prstGeom prst="rect">
+            <a:avLst/>
+          </a:prstGeom>
+          <a:noFill/>
+        </p:spPr>
+        <p:txBody>
+          <a:bodyPr wrap="square" rtlCol="0">
+            <a:spAutoFit/>
+          </a:bodyPr>
+          <a:lstStyle/>
+          <a:p>
+            <a:r>
+              <a:rPr lang="en-US" sz="4000" dirty="0"/>
+              <a:t>TEAM NAME</a:t>
+            </a:r>
+            <a:endParaRPr lang="en-IN" sz="4000" dirty="0"/>
+          </a:p>
+        </p:txBody>
+      </p:sp>
+      <p:sp>
+        <p:nvSpPr>
+          <p:cNvPr id="7" name="TextBox 6">
+            <a:extLst>
+              <a:ext uri="{FF2B5EF4-FFF2-40B4-BE49-F238E27FC236}">
+                <a16:creationId xmlns:a16="http://schemas.microsoft.com/office/drawing/2014/main" id="{BBDCBBAB-036D-479B-BD8A-5E4432124B26}"/>
+              </a:ext>
+            </a:extLst>
+          </p:cNvPr>
+          <p:cNvSpPr txBox="1"/>
+          <p:nvPr/>
+        </p:nvSpPr>
+        <p:spPr>
+          <a:xfrm>
+            <a:off x="3393325" y="4974838"/>
+            <a:ext cx="6274458" cy="646331"/>
+          </a:xfrm>
+          <a:prstGeom prst="rect">
+            <a:avLst/>
+          </a:prstGeom>
+          <a:noFill/>
+        </p:spPr>
+        <p:txBody>
+          <a:bodyPr wrap="square" rtlCol="0">
+            <a:spAutoFit/>
+          </a:bodyPr>
+          <a:lstStyle/>
+          <a:p>
+            <a:r>
+              <a:rPr lang="en-US" sz="3600" b="1" i="1" dirty="0">
+                <a:effectLst>
+                  <a:outerShdw blurRad="38100" dist="38100" dir="2700000" algn="tl">
+                    <a:srgbClr val="000000">
+                      <a:alpha val="43137"/>
+                    </a:srgbClr>
+                  </a:outerShdw>
+                </a:effectLst>
+                <a:latin typeface="Algerian" panose="04020705040A02060702" pitchFamily="82" charset="0"/>
+              </a:rPr>
+              <a:t>MLRITM- </a:t>
+            </a:r>
+            <a:r>
+              <a:rPr lang="en-IN" sz="3600" b="1" i="1" dirty="0">
+                <a:solidFill>
+                  <a:srgbClr val="4B4949"/>
+                </a:solidFill>
+                <a:effectLst>
+                  <a:outerShdw blurRad="38100" dist="38100" dir="2700000" algn="tl">
+                    <a:srgbClr val="000000">
+                      <a:alpha val="43137"/>
+                    </a:srgbClr>
+                  </a:outerShdw>
+                </a:effectLst>
+                <a:latin typeface="Algerian" panose="04020705040A02060702" pitchFamily="82" charset="0"/>
+              </a:rPr>
+              <a:t>Binary Beasts</a:t>
+            </a:r>
+            <a:endParaRPr lang="en-IN" sz="3600" b="1" i="1" dirty="0">
+              <a:effectLst>
+                <a:outerShdw blurRad="38100" dist="38100" dir="2700000" algn="tl">
+                  <a:srgbClr val="000000">
+                    <a:alpha val="43137"/>
+                  </a:srgbClr>
+                </a:outerShdw>
+              </a:effectLst>
+              <a:latin typeface="Algerian" panose="04020705040A02060702" pitchFamily="82" charset="0"/>
+            </a:endParaRPr>
           </a:p>
         </p:txBody>
       </p:sp>
